--- a/WPF practice 2.pptx
+++ b/WPF practice 2.pptx
@@ -229,7 +229,7 @@
             <a:fld id="{328296B9-B7A3-41EC-A690-7390808F5A9F}" type="datetimeFigureOut">
               <a:rPr lang="ko-KR" altLang="en-US" smtClean="0"/>
               <a:pPr/>
-              <a:t>2023-10-19</a:t>
+              <a:t>2023-10-20</a:t>
             </a:fld>
             <a:endParaRPr lang="ko-KR" altLang="en-US"/>
           </a:p>
@@ -677,7 +677,7 @@
             <a:fld id="{FB30EDBD-1C2D-4C1E-B459-B60219FAB484}" type="datetimeFigureOut">
               <a:rPr lang="ko-KR" altLang="en-US" smtClean="0"/>
               <a:pPr/>
-              <a:t>2023-10-19</a:t>
+              <a:t>2023-10-20</a:t>
             </a:fld>
             <a:endParaRPr lang="ko-KR" altLang="en-US"/>
           </a:p>
@@ -842,7 +842,7 @@
             <a:fld id="{FB30EDBD-1C2D-4C1E-B459-B60219FAB484}" type="datetimeFigureOut">
               <a:rPr lang="ko-KR" altLang="en-US" smtClean="0"/>
               <a:pPr/>
-              <a:t>2023-10-19</a:t>
+              <a:t>2023-10-20</a:t>
             </a:fld>
             <a:endParaRPr lang="ko-KR" altLang="en-US"/>
           </a:p>
@@ -1084,7 +1084,7 @@
             <a:fld id="{FB30EDBD-1C2D-4C1E-B459-B60219FAB484}" type="datetimeFigureOut">
               <a:rPr lang="ko-KR" altLang="en-US" smtClean="0"/>
               <a:pPr/>
-              <a:t>2023-10-19</a:t>
+              <a:t>2023-10-20</a:t>
             </a:fld>
             <a:endParaRPr lang="ko-KR" altLang="en-US"/>
           </a:p>
@@ -1366,7 +1366,7 @@
             <a:fld id="{FB30EDBD-1C2D-4C1E-B459-B60219FAB484}" type="datetimeFigureOut">
               <a:rPr lang="ko-KR" altLang="en-US" smtClean="0"/>
               <a:pPr/>
-              <a:t>2023-10-19</a:t>
+              <a:t>2023-10-20</a:t>
             </a:fld>
             <a:endParaRPr lang="ko-KR" altLang="en-US"/>
           </a:p>
@@ -1458,7 +1458,7 @@
             <a:fld id="{FB30EDBD-1C2D-4C1E-B459-B60219FAB484}" type="datetimeFigureOut">
               <a:rPr lang="ko-KR" altLang="en-US" smtClean="0"/>
               <a:pPr/>
-              <a:t>2023-10-19</a:t>
+              <a:t>2023-10-20</a:t>
             </a:fld>
             <a:endParaRPr lang="ko-KR" altLang="en-US"/>
           </a:p>
@@ -1763,7 +1763,7 @@
             <a:fld id="{FB30EDBD-1C2D-4C1E-B459-B60219FAB484}" type="datetimeFigureOut">
               <a:rPr lang="ko-KR" altLang="en-US" smtClean="0"/>
               <a:pPr/>
-              <a:t>2023-10-19</a:t>
+              <a:t>2023-10-20</a:t>
             </a:fld>
             <a:endParaRPr lang="ko-KR" altLang="en-US"/>
           </a:p>
@@ -2147,7 +2147,7 @@
             <a:fld id="{FB30EDBD-1C2D-4C1E-B459-B60219FAB484}" type="datetimeFigureOut">
               <a:rPr lang="ko-KR" altLang="en-US" smtClean="0"/>
               <a:pPr/>
-              <a:t>2023-10-19</a:t>
+              <a:t>2023-10-20</a:t>
             </a:fld>
             <a:endParaRPr lang="ko-KR" altLang="en-US"/>
           </a:p>
@@ -2570,7 +2570,7 @@
           <p:cNvPr id="7" name="TextBox 6">
             <a:extLst>
               <a:ext uri="{FF2B5EF4-FFF2-40B4-BE49-F238E27FC236}">
-                <a16:creationId xmlns:a16="http://schemas.microsoft.com/office/drawing/2014/main" xmlns="" id="{B627E7DE-C2C5-4F42-B6E5-803B1C1867EA}"/>
+                <a16:creationId xmlns="" xmlns:a16="http://schemas.microsoft.com/office/drawing/2014/main" id="{B627E7DE-C2C5-4F42-B6E5-803B1C1867EA}"/>
               </a:ext>
             </a:extLst>
           </p:cNvPr>
@@ -2735,7 +2735,7 @@
           <p:cNvPr id="13" name="TextBox 12">
             <a:extLst>
               <a:ext uri="{FF2B5EF4-FFF2-40B4-BE49-F238E27FC236}">
-                <a16:creationId xmlns:a16="http://schemas.microsoft.com/office/drawing/2014/main" xmlns="" id="{B627E7DE-C2C5-4F42-B6E5-803B1C1867EA}"/>
+                <a16:creationId xmlns="" xmlns:a16="http://schemas.microsoft.com/office/drawing/2014/main" id="{B627E7DE-C2C5-4F42-B6E5-803B1C1867EA}"/>
               </a:ext>
             </a:extLst>
           </p:cNvPr>
@@ -2994,7 +2994,7 @@
           <p:cNvPr id="13" name="TextBox 12">
             <a:extLst>
               <a:ext uri="{FF2B5EF4-FFF2-40B4-BE49-F238E27FC236}">
-                <a16:creationId xmlns:a16="http://schemas.microsoft.com/office/drawing/2014/main" xmlns="" id="{B627E7DE-C2C5-4F42-B6E5-803B1C1867EA}"/>
+                <a16:creationId xmlns="" xmlns:a16="http://schemas.microsoft.com/office/drawing/2014/main" id="{B627E7DE-C2C5-4F42-B6E5-803B1C1867EA}"/>
               </a:ext>
             </a:extLst>
           </p:cNvPr>
@@ -3132,7 +3132,6 @@
               <a:rPr lang="en-US" altLang="ko-KR" dirty="0"/>
               <a:t> </a:t>
             </a:r>
-            <a:endParaRPr lang="en-US" altLang="ko-KR" dirty="0"/>
           </a:p>
         </p:txBody>
       </p:sp>
@@ -3141,7 +3140,7 @@
           <p:cNvPr id="7" name="TextBox 6">
             <a:extLst>
               <a:ext uri="{FF2B5EF4-FFF2-40B4-BE49-F238E27FC236}">
-                <a16:creationId xmlns:a16="http://schemas.microsoft.com/office/drawing/2014/main" xmlns="" id="{B627E7DE-C2C5-4F42-B6E5-803B1C1867EA}"/>
+                <a16:creationId xmlns="" xmlns:a16="http://schemas.microsoft.com/office/drawing/2014/main" id="{B627E7DE-C2C5-4F42-B6E5-803B1C1867EA}"/>
               </a:ext>
             </a:extLst>
           </p:cNvPr>
@@ -3311,7 +3310,7 @@
           <p:cNvPr id="7" name="TextBox 6">
             <a:extLst>
               <a:ext uri="{FF2B5EF4-FFF2-40B4-BE49-F238E27FC236}">
-                <a16:creationId xmlns:a16="http://schemas.microsoft.com/office/drawing/2014/main" xmlns="" id="{B627E7DE-C2C5-4F42-B6E5-803B1C1867EA}"/>
+                <a16:creationId xmlns="" xmlns:a16="http://schemas.microsoft.com/office/drawing/2014/main" id="{B627E7DE-C2C5-4F42-B6E5-803B1C1867EA}"/>
               </a:ext>
             </a:extLst>
           </p:cNvPr>
@@ -3510,7 +3509,6 @@
               <a:rPr lang="en-US" altLang="ko-KR" dirty="0"/>
               <a:t> </a:t>
             </a:r>
-            <a:endParaRPr lang="en-US" altLang="ko-KR" dirty="0"/>
           </a:p>
         </p:txBody>
       </p:sp>
@@ -3519,7 +3517,7 @@
           <p:cNvPr id="9" name="사각형: 둥근 모서리 8">
             <a:extLst>
               <a:ext uri="{FF2B5EF4-FFF2-40B4-BE49-F238E27FC236}">
-                <a16:creationId xmlns:a16="http://schemas.microsoft.com/office/drawing/2014/main" xmlns="" id="{2004766A-7ED4-492C-A0FA-732E844A9BBD}"/>
+                <a16:creationId xmlns="" xmlns:a16="http://schemas.microsoft.com/office/drawing/2014/main" id="{2004766A-7ED4-492C-A0FA-732E844A9BBD}"/>
               </a:ext>
             </a:extLst>
           </p:cNvPr>
@@ -3570,7 +3568,15 @@
             </a:r>
             <a:r>
               <a:rPr lang="en-US" altLang="ko-KR" sz="1400" dirty="0"/>
-              <a:t>: https://github.com/rage147-OwO/BoundingBobLabelingTool</a:t>
+              <a:t>: https</a:t>
+            </a:r>
+            <a:r>
+              <a:rPr lang="en-US" altLang="ko-KR" sz="1400"/>
+              <a:t>://</a:t>
+            </a:r>
+            <a:r>
+              <a:rPr lang="en-US" altLang="ko-KR" sz="1400" smtClean="0"/>
+              <a:t>github.com/rage147-OwO/BoundingBoxLabelingTool</a:t>
             </a:r>
             <a:endParaRPr lang="ko-KR" altLang="en-US" sz="1400" dirty="0"/>
           </a:p>
